--- a/6101 Group Project New Version_Brad_3.20 v2.pptx
+++ b/6101 Group Project New Version_Brad_3.20 v2.pptx
@@ -24,15 +24,14 @@
     <p:sldId id="268" r:id="rId18"/>
     <p:sldId id="270" r:id="rId19"/>
     <p:sldId id="271" r:id="rId20"/>
-    <p:sldId id="276" r:id="rId21"/>
-    <p:sldId id="277" r:id="rId22"/>
-    <p:sldId id="278" r:id="rId23"/>
-    <p:sldId id="279" r:id="rId24"/>
-    <p:sldId id="281" r:id="rId25"/>
-    <p:sldId id="282" r:id="rId26"/>
-    <p:sldId id="280" r:id="rId27"/>
-    <p:sldId id="273" r:id="rId28"/>
-    <p:sldId id="288" r:id="rId29"/>
+    <p:sldId id="278" r:id="rId21"/>
+    <p:sldId id="279" r:id="rId22"/>
+    <p:sldId id="281" r:id="rId23"/>
+    <p:sldId id="282" r:id="rId24"/>
+    <p:sldId id="276" r:id="rId25"/>
+    <p:sldId id="280" r:id="rId26"/>
+    <p:sldId id="273" r:id="rId27"/>
+    <p:sldId id="288" r:id="rId28"/>
   </p:sldIdLst>
   <p:sldSz cx="12192000" cy="6858000"/>
   <p:notesSz cx="6858000" cy="9144000"/>
@@ -155,12 +154,11 @@
             <p14:sldId id="268"/>
             <p14:sldId id="270"/>
             <p14:sldId id="271"/>
-            <p14:sldId id="276"/>
-            <p14:sldId id="277"/>
             <p14:sldId id="278"/>
             <p14:sldId id="279"/>
             <p14:sldId id="281"/>
             <p14:sldId id="282"/>
+            <p14:sldId id="276"/>
             <p14:sldId id="280"/>
             <p14:sldId id="273"/>
             <p14:sldId id="288"/>
@@ -173,6 +171,119 @@
     </p:ext>
   </p:extLst>
 </p:presentation>
+</file>
+
+<file path=ppt/changesInfos/changesInfo1.xml><?xml version="1.0" encoding="utf-8"?>
+<pc:chgInfo xmlns:a="http://schemas.openxmlformats.org/drawingml/2006/main" xmlns:r="http://schemas.openxmlformats.org/officeDocument/2006/relationships" xmlns:ac="http://schemas.microsoft.com/office/drawing/2013/main/command" xmlns:pc="http://schemas.microsoft.com/office/powerpoint/2013/main/command">
+  <pc:docChgLst>
+    <pc:chgData name="Bradley Reardon" userId="a17d7f7e761d2a81" providerId="LiveId" clId="{7DC0FAA3-7702-4742-B37B-60D362252C7E}"/>
+    <pc:docChg chg="undo custSel delSld modSld sldOrd modSection">
+      <pc:chgData name="Bradley Reardon" userId="a17d7f7e761d2a81" providerId="LiveId" clId="{7DC0FAA3-7702-4742-B37B-60D362252C7E}" dt="2021-03-20T22:31:25.573" v="611" actId="20577"/>
+      <pc:docMkLst>
+        <pc:docMk/>
+      </pc:docMkLst>
+      <pc:sldChg chg="modSp mod">
+        <pc:chgData name="Bradley Reardon" userId="a17d7f7e761d2a81" providerId="LiveId" clId="{7DC0FAA3-7702-4742-B37B-60D362252C7E}" dt="2021-03-20T22:18:44.488" v="113" actId="20577"/>
+        <pc:sldMkLst>
+          <pc:docMk/>
+          <pc:sldMk cId="1241395330" sldId="257"/>
+        </pc:sldMkLst>
+        <pc:spChg chg="mod">
+          <ac:chgData name="Bradley Reardon" userId="a17d7f7e761d2a81" providerId="LiveId" clId="{7DC0FAA3-7702-4742-B37B-60D362252C7E}" dt="2021-03-20T22:18:44.488" v="113" actId="20577"/>
+          <ac:spMkLst>
+            <pc:docMk/>
+            <pc:sldMk cId="1241395330" sldId="257"/>
+            <ac:spMk id="3" creationId="{A9456917-9AC3-442F-9196-7B4ED4C00CAF}"/>
+          </ac:spMkLst>
+        </pc:spChg>
+      </pc:sldChg>
+      <pc:sldChg chg="modSp mod">
+        <pc:chgData name="Bradley Reardon" userId="a17d7f7e761d2a81" providerId="LiveId" clId="{7DC0FAA3-7702-4742-B37B-60D362252C7E}" dt="2021-03-20T22:09:08.885" v="0" actId="20577"/>
+        <pc:sldMkLst>
+          <pc:docMk/>
+          <pc:sldMk cId="271426853" sldId="264"/>
+        </pc:sldMkLst>
+        <pc:spChg chg="mod">
+          <ac:chgData name="Bradley Reardon" userId="a17d7f7e761d2a81" providerId="LiveId" clId="{7DC0FAA3-7702-4742-B37B-60D362252C7E}" dt="2021-03-20T22:09:08.885" v="0" actId="20577"/>
+          <ac:spMkLst>
+            <pc:docMk/>
+            <pc:sldMk cId="271426853" sldId="264"/>
+            <ac:spMk id="2" creationId="{5CA0080E-7511-4AC4-A8F0-C52C0455BA63}"/>
+          </ac:spMkLst>
+        </pc:spChg>
+      </pc:sldChg>
+      <pc:sldChg chg="modSp mod">
+        <pc:chgData name="Bradley Reardon" userId="a17d7f7e761d2a81" providerId="LiveId" clId="{7DC0FAA3-7702-4742-B37B-60D362252C7E}" dt="2021-03-20T22:12:06.701" v="6" actId="14100"/>
+        <pc:sldMkLst>
+          <pc:docMk/>
+          <pc:sldMk cId="1418613357" sldId="268"/>
+        </pc:sldMkLst>
+        <pc:spChg chg="mod">
+          <ac:chgData name="Bradley Reardon" userId="a17d7f7e761d2a81" providerId="LiveId" clId="{7DC0FAA3-7702-4742-B37B-60D362252C7E}" dt="2021-03-20T22:12:06.701" v="6" actId="14100"/>
+          <ac:spMkLst>
+            <pc:docMk/>
+            <pc:sldMk cId="1418613357" sldId="268"/>
+            <ac:spMk id="2" creationId="{AAA023A3-C580-49F7-8ED6-A426CD016C0F}"/>
+          </ac:spMkLst>
+        </pc:spChg>
+      </pc:sldChg>
+      <pc:sldChg chg="addSp delSp modSp mod ord">
+        <pc:chgData name="Bradley Reardon" userId="a17d7f7e761d2a81" providerId="LiveId" clId="{7DC0FAA3-7702-4742-B37B-60D362252C7E}" dt="2021-03-20T22:31:25.573" v="611" actId="20577"/>
+        <pc:sldMkLst>
+          <pc:docMk/>
+          <pc:sldMk cId="2239328636" sldId="276"/>
+        </pc:sldMkLst>
+        <pc:spChg chg="mod">
+          <ac:chgData name="Bradley Reardon" userId="a17d7f7e761d2a81" providerId="LiveId" clId="{7DC0FAA3-7702-4742-B37B-60D362252C7E}" dt="2021-03-20T22:25:57.532" v="188" actId="20577"/>
+          <ac:spMkLst>
+            <pc:docMk/>
+            <pc:sldMk cId="2239328636" sldId="276"/>
+            <ac:spMk id="2" creationId="{757C6CF1-9FEC-4B61-8664-9E66B5FD090A}"/>
+          </ac:spMkLst>
+        </pc:spChg>
+        <pc:spChg chg="add del mod">
+          <ac:chgData name="Bradley Reardon" userId="a17d7f7e761d2a81" providerId="LiveId" clId="{7DC0FAA3-7702-4742-B37B-60D362252C7E}" dt="2021-03-20T22:31:25.573" v="611" actId="20577"/>
+          <ac:spMkLst>
+            <pc:docMk/>
+            <pc:sldMk cId="2239328636" sldId="276"/>
+            <ac:spMk id="3" creationId="{B3185D56-2FDD-403E-98AF-516E0D9A75C1}"/>
+          </ac:spMkLst>
+        </pc:spChg>
+        <pc:spChg chg="add del mod">
+          <ac:chgData name="Bradley Reardon" userId="a17d7f7e761d2a81" providerId="LiveId" clId="{7DC0FAA3-7702-4742-B37B-60D362252C7E}" dt="2021-03-20T22:28:42.877" v="203" actId="767"/>
+          <ac:spMkLst>
+            <pc:docMk/>
+            <pc:sldMk cId="2239328636" sldId="276"/>
+            <ac:spMk id="6" creationId="{5A3369DB-9895-46F8-A7E6-90AA3C578D35}"/>
+          </ac:spMkLst>
+        </pc:spChg>
+        <pc:picChg chg="add del mod ord">
+          <ac:chgData name="Bradley Reardon" userId="a17d7f7e761d2a81" providerId="LiveId" clId="{7DC0FAA3-7702-4742-B37B-60D362252C7E}" dt="2021-03-20T22:28:44.120" v="205" actId="22"/>
+          <ac:picMkLst>
+            <pc:docMk/>
+            <pc:sldMk cId="2239328636" sldId="276"/>
+            <ac:picMk id="5" creationId="{05928ED5-062B-43DB-A22A-182BC7A6AFF8}"/>
+          </ac:picMkLst>
+        </pc:picChg>
+        <pc:picChg chg="add mod">
+          <ac:chgData name="Bradley Reardon" userId="a17d7f7e761d2a81" providerId="LiveId" clId="{7DC0FAA3-7702-4742-B37B-60D362252C7E}" dt="2021-03-20T22:31:17.088" v="597" actId="1076"/>
+          <ac:picMkLst>
+            <pc:docMk/>
+            <pc:sldMk cId="2239328636" sldId="276"/>
+            <ac:picMk id="8" creationId="{8C25F435-241B-43BB-8270-8936B8F21082}"/>
+          </ac:picMkLst>
+        </pc:picChg>
+      </pc:sldChg>
+      <pc:sldChg chg="del ord">
+        <pc:chgData name="Bradley Reardon" userId="a17d7f7e761d2a81" providerId="LiveId" clId="{7DC0FAA3-7702-4742-B37B-60D362252C7E}" dt="2021-03-20T22:26:02.275" v="189" actId="2696"/>
+        <pc:sldMkLst>
+          <pc:docMk/>
+          <pc:sldMk cId="2025065564" sldId="277"/>
+        </pc:sldMkLst>
+      </pc:sldChg>
+    </pc:docChg>
+  </pc:docChgLst>
+</pc:chgInfo>
 </file>
 
 <file path=ppt/slideLayouts/slideLayout1.xml><?xml version="1.0" encoding="utf-8"?>
@@ -7031,7 +7142,7 @@
             </a:r>
             <a:r>
               <a:rPr lang="en-US" dirty="0"/>
-              <a:t>Chart 4-8</a:t>
+              <a:t>Charts 4-8</a:t>
             </a:r>
           </a:p>
         </p:txBody>
@@ -7812,35 +7923,23 @@
         <p:spPr>
           <a:xfrm>
             <a:off x="421793" y="618931"/>
-            <a:ext cx="10071531" cy="1320800"/>
+            <a:ext cx="8490387" cy="1320800"/>
           </a:xfrm>
         </p:spPr>
         <p:txBody>
           <a:bodyPr>
-            <a:normAutofit/>
+            <a:normAutofit fontScale="90000"/>
           </a:bodyPr>
           <a:lstStyle/>
           <a:p>
             <a:r>
-              <a:rPr lang="en-US" altLang="zh-CN" dirty="0">
-                <a:latin typeface="Calibri" panose="020F0502020204030204" pitchFamily="34" charset="0"/>
-                <a:ea typeface="DengXian" panose="02010600030101010101" pitchFamily="2" charset="-122"/>
-                <a:cs typeface="Times New Roman" panose="02020603050405020304" pitchFamily="18" charset="0"/>
-              </a:rPr>
-              <a:t>Does Location Has a Relationship with Carbon Offset?</a:t>
+              <a:rPr lang="en-US" altLang="zh-CN" dirty="0"/>
+              <a:t>Does Location Have a Relationship with Carbon Offset?</a:t>
             </a:r>
             <a:br>
-              <a:rPr lang="en-US" altLang="zh-CN" dirty="0">
-                <a:latin typeface="Calibri" panose="020F0502020204030204" pitchFamily="34" charset="0"/>
-                <a:ea typeface="DengXian" panose="02010600030101010101" pitchFamily="2" charset="-122"/>
-                <a:cs typeface="Times New Roman" panose="02020603050405020304" pitchFamily="18" charset="0"/>
-              </a:rPr>
+              <a:rPr lang="en-US" altLang="zh-CN" dirty="0"/>
             </a:br>
-            <a:endParaRPr lang="en-US" dirty="0">
-              <a:solidFill>
-                <a:srgbClr val="FFFF00"/>
-              </a:solidFill>
-            </a:endParaRPr>
+            <a:endParaRPr lang="en-US" dirty="0"/>
           </a:p>
         </p:txBody>
       </p:sp>
@@ -8380,313 +8479,6 @@
 </file>
 
 <file path=ppt/slides/slide20.xml><?xml version="1.0" encoding="utf-8"?>
-<p:sld xmlns:a="http://schemas.openxmlformats.org/drawingml/2006/main" xmlns:r="http://schemas.openxmlformats.org/officeDocument/2006/relationships" xmlns:p="http://schemas.openxmlformats.org/presentationml/2006/main">
-  <p:cSld>
-    <p:spTree>
-      <p:nvGrpSpPr>
-        <p:cNvPr id="1" name=""/>
-        <p:cNvGrpSpPr/>
-        <p:nvPr/>
-      </p:nvGrpSpPr>
-      <p:grpSpPr>
-        <a:xfrm>
-          <a:off x="0" y="0"/>
-          <a:ext cx="0" cy="0"/>
-          <a:chOff x="0" y="0"/>
-          <a:chExt cx="0" cy="0"/>
-        </a:xfrm>
-      </p:grpSpPr>
-      <p:sp>
-        <p:nvSpPr>
-          <p:cNvPr id="2" name="Title 1">
-            <a:extLst>
-              <a:ext uri="{FF2B5EF4-FFF2-40B4-BE49-F238E27FC236}">
-                <a16:creationId xmlns:a16="http://schemas.microsoft.com/office/drawing/2014/main" id="{757C6CF1-9FEC-4B61-8664-9E66B5FD090A}"/>
-              </a:ext>
-            </a:extLst>
-          </p:cNvPr>
-          <p:cNvSpPr>
-            <a:spLocks noGrp="1"/>
-          </p:cNvSpPr>
-          <p:nvPr>
-            <p:ph type="title"/>
-          </p:nvPr>
-        </p:nvSpPr>
-        <p:spPr/>
-        <p:txBody>
-          <a:bodyPr>
-            <a:normAutofit fontScale="90000"/>
-          </a:bodyPr>
-          <a:lstStyle/>
-          <a:p>
-            <a:r>
-              <a:rPr lang="en-US" dirty="0"/>
-              <a:t>ANOVA: do the mean values of </a:t>
-            </a:r>
-            <a:r>
-              <a:rPr lang="en-US" sz="3600" dirty="0">
-                <a:latin typeface="Calibri" panose="020F0502020204030204" pitchFamily="34" charset="0"/>
-                <a:ea typeface="DengXian" panose="02010600030101010101" pitchFamily="2" charset="-122"/>
-                <a:cs typeface="Times New Roman" panose="02020603050405020304" pitchFamily="18" charset="0"/>
-              </a:rPr>
-              <a:t>solar energy potential generated by each panel </a:t>
-            </a:r>
-            <a:r>
-              <a:rPr lang="en-US" dirty="0">
-                <a:latin typeface="Calibri" panose="020F0502020204030204" pitchFamily="34" charset="0"/>
-                <a:ea typeface="DengXian" panose="02010600030101010101" pitchFamily="2" charset="-122"/>
-                <a:cs typeface="Times New Roman" panose="02020603050405020304" pitchFamily="18" charset="0"/>
-              </a:rPr>
-              <a:t>differ</a:t>
-            </a:r>
-            <a:r>
-              <a:rPr lang="en-US" dirty="0"/>
-              <a:t> </a:t>
-            </a:r>
-            <a:r>
-              <a:rPr lang="en-US" dirty="0">
-                <a:latin typeface="Calibri" panose="020F0502020204030204" pitchFamily="34" charset="0"/>
-                <a:ea typeface="DengXian" panose="02010600030101010101" pitchFamily="2" charset="-122"/>
-                <a:cs typeface="Times New Roman" panose="02020603050405020304" pitchFamily="18" charset="0"/>
-              </a:rPr>
-              <a:t>by </a:t>
-            </a:r>
-            <a:r>
-              <a:rPr lang="en-US" dirty="0"/>
-              <a:t>region?</a:t>
-            </a:r>
-          </a:p>
-        </p:txBody>
-      </p:sp>
-      <p:sp>
-        <p:nvSpPr>
-          <p:cNvPr id="3" name="Content Placeholder 2">
-            <a:extLst>
-              <a:ext uri="{FF2B5EF4-FFF2-40B4-BE49-F238E27FC236}">
-                <a16:creationId xmlns:a16="http://schemas.microsoft.com/office/drawing/2014/main" id="{B3185D56-2FDD-403E-98AF-516E0D9A75C1}"/>
-              </a:ext>
-            </a:extLst>
-          </p:cNvPr>
-          <p:cNvSpPr>
-            <a:spLocks noGrp="1"/>
-          </p:cNvSpPr>
-          <p:nvPr>
-            <p:ph idx="1"/>
-          </p:nvPr>
-        </p:nvSpPr>
-        <p:spPr>
-          <a:xfrm>
-            <a:off x="677334" y="2487161"/>
-            <a:ext cx="8596668" cy="3880773"/>
-          </a:xfrm>
-        </p:spPr>
-        <p:txBody>
-          <a:bodyPr>
-            <a:normAutofit/>
-          </a:bodyPr>
-          <a:lstStyle/>
-          <a:p>
-            <a:r>
-              <a:rPr lang="en-US" sz="3200" dirty="0">
-                <a:latin typeface="Calibri" panose="020F0502020204030204" pitchFamily="34" charset="0"/>
-                <a:ea typeface="DengXian" panose="02010600030101010101" pitchFamily="2" charset="-122"/>
-                <a:cs typeface="Times New Roman" panose="02020603050405020304" pitchFamily="18" charset="0"/>
-              </a:rPr>
-              <a:t>From previous slides: calculate the average solar energy potential generated by each panel by region (</a:t>
-            </a:r>
-            <a:r>
-              <a:rPr lang="en-US" sz="3200" dirty="0">
-                <a:solidFill>
-                  <a:schemeClr val="bg1"/>
-                </a:solidFill>
-                <a:highlight>
-                  <a:srgbClr val="FFFF00"/>
-                </a:highlight>
-                <a:latin typeface="Calibri" panose="020F0502020204030204" pitchFamily="34" charset="0"/>
-                <a:ea typeface="DengXian" panose="02010600030101010101" pitchFamily="2" charset="-122"/>
-                <a:cs typeface="Times New Roman" panose="02020603050405020304" pitchFamily="18" charset="0"/>
-              </a:rPr>
-              <a:t>charts 4-8, table1</a:t>
-            </a:r>
-            <a:r>
-              <a:rPr lang="en-US" sz="3200" dirty="0">
-                <a:latin typeface="Calibri" panose="020F0502020204030204" pitchFamily="34" charset="0"/>
-                <a:ea typeface="DengXian" panose="02010600030101010101" pitchFamily="2" charset="-122"/>
-                <a:cs typeface="Times New Roman" panose="02020603050405020304" pitchFamily="18" charset="0"/>
-              </a:rPr>
-              <a:t>)</a:t>
-            </a:r>
-          </a:p>
-          <a:p>
-            <a:r>
-              <a:rPr lang="en-US" sz="3200" dirty="0"/>
-              <a:t>A snapshot picture – ANOVA result summary </a:t>
-            </a:r>
-          </a:p>
-        </p:txBody>
-      </p:sp>
-    </p:spTree>
-    <p:extLst>
-      <p:ext uri="{BB962C8B-B14F-4D97-AF65-F5344CB8AC3E}">
-        <p14:creationId xmlns:p14="http://schemas.microsoft.com/office/powerpoint/2010/main" val="2239328636"/>
-      </p:ext>
-    </p:extLst>
-  </p:cSld>
-  <p:clrMapOvr>
-    <a:masterClrMapping/>
-  </p:clrMapOvr>
-</p:sld>
-</file>
-
-<file path=ppt/slides/slide21.xml><?xml version="1.0" encoding="utf-8"?>
-<p:sld xmlns:a="http://schemas.openxmlformats.org/drawingml/2006/main" xmlns:r="http://schemas.openxmlformats.org/officeDocument/2006/relationships" xmlns:p="http://schemas.openxmlformats.org/presentationml/2006/main">
-  <p:cSld>
-    <p:spTree>
-      <p:nvGrpSpPr>
-        <p:cNvPr id="1" name=""/>
-        <p:cNvGrpSpPr/>
-        <p:nvPr/>
-      </p:nvGrpSpPr>
-      <p:grpSpPr>
-        <a:xfrm>
-          <a:off x="0" y="0"/>
-          <a:ext cx="0" cy="0"/>
-          <a:chOff x="0" y="0"/>
-          <a:chExt cx="0" cy="0"/>
-        </a:xfrm>
-      </p:grpSpPr>
-      <p:sp>
-        <p:nvSpPr>
-          <p:cNvPr id="2" name="Title 1">
-            <a:extLst>
-              <a:ext uri="{FF2B5EF4-FFF2-40B4-BE49-F238E27FC236}">
-                <a16:creationId xmlns:a16="http://schemas.microsoft.com/office/drawing/2014/main" id="{757C6CF1-9FEC-4B61-8664-9E66B5FD090A}"/>
-              </a:ext>
-            </a:extLst>
-          </p:cNvPr>
-          <p:cNvSpPr>
-            <a:spLocks noGrp="1"/>
-          </p:cNvSpPr>
-          <p:nvPr>
-            <p:ph type="title"/>
-          </p:nvPr>
-        </p:nvSpPr>
-        <p:spPr/>
-        <p:txBody>
-          <a:bodyPr>
-            <a:normAutofit/>
-          </a:bodyPr>
-          <a:lstStyle/>
-          <a:p>
-            <a:r>
-              <a:rPr lang="en-US" dirty="0"/>
-              <a:t>ANOVA: do the sunlight energy potential per panel per direction differ by region?</a:t>
-            </a:r>
-          </a:p>
-        </p:txBody>
-      </p:sp>
-      <p:sp>
-        <p:nvSpPr>
-          <p:cNvPr id="3" name="Content Placeholder 2">
-            <a:extLst>
-              <a:ext uri="{FF2B5EF4-FFF2-40B4-BE49-F238E27FC236}">
-                <a16:creationId xmlns:a16="http://schemas.microsoft.com/office/drawing/2014/main" id="{B3185D56-2FDD-403E-98AF-516E0D9A75C1}"/>
-              </a:ext>
-            </a:extLst>
-          </p:cNvPr>
-          <p:cNvSpPr>
-            <a:spLocks noGrp="1"/>
-          </p:cNvSpPr>
-          <p:nvPr>
-            <p:ph idx="1"/>
-          </p:nvPr>
-        </p:nvSpPr>
-        <p:spPr>
-          <a:xfrm>
-            <a:off x="677334" y="2179250"/>
-            <a:ext cx="8596668" cy="3880773"/>
-          </a:xfrm>
-        </p:spPr>
-        <p:txBody>
-          <a:bodyPr>
-            <a:normAutofit/>
-          </a:bodyPr>
-          <a:lstStyle/>
-          <a:p>
-            <a:r>
-              <a:rPr lang="en-US" sz="3200" dirty="0">
-                <a:latin typeface="Calibri" panose="020F0502020204030204" pitchFamily="34" charset="0"/>
-                <a:ea typeface="DengXian" panose="02010600030101010101" pitchFamily="2" charset="-122"/>
-                <a:cs typeface="Times New Roman" panose="02020603050405020304" pitchFamily="18" charset="0"/>
-              </a:rPr>
-              <a:t>Find sunlight energy potential per panel per direction for each city</a:t>
-            </a:r>
-          </a:p>
-          <a:p>
-            <a:pPr lvl="1"/>
-            <a:r>
-              <a:rPr lang="en-US" sz="3000" dirty="0">
-                <a:latin typeface="Calibri" panose="020F0502020204030204" pitchFamily="34" charset="0"/>
-                <a:ea typeface="DengXian" panose="02010600030101010101" pitchFamily="2" charset="-122"/>
-                <a:cs typeface="Times New Roman" panose="02020603050405020304" pitchFamily="18" charset="0"/>
-              </a:rPr>
-              <a:t>i.e. </a:t>
-            </a:r>
-            <a:r>
-              <a:rPr lang="en-US" sz="3000" dirty="0" err="1">
-                <a:latin typeface="Calibri" panose="020F0502020204030204" pitchFamily="34" charset="0"/>
-                <a:ea typeface="DengXian" panose="02010600030101010101" pitchFamily="2" charset="-122"/>
-                <a:cs typeface="Times New Roman" panose="02020603050405020304" pitchFamily="18" charset="0"/>
-              </a:rPr>
-              <a:t>sunlight_north</a:t>
-            </a:r>
-            <a:r>
-              <a:rPr lang="en-US" sz="3000" dirty="0">
-                <a:latin typeface="Calibri" panose="020F0502020204030204" pitchFamily="34" charset="0"/>
-                <a:ea typeface="DengXian" panose="02010600030101010101" pitchFamily="2" charset="-122"/>
-                <a:cs typeface="Times New Roman" panose="02020603050405020304" pitchFamily="18" charset="0"/>
-              </a:rPr>
-              <a:t> / </a:t>
-            </a:r>
-            <a:r>
-              <a:rPr lang="en-US" sz="3000" dirty="0" err="1">
-                <a:latin typeface="Calibri" panose="020F0502020204030204" pitchFamily="34" charset="0"/>
-                <a:ea typeface="DengXian" panose="02010600030101010101" pitchFamily="2" charset="-122"/>
-                <a:cs typeface="Times New Roman" panose="02020603050405020304" pitchFamily="18" charset="0"/>
-              </a:rPr>
-              <a:t>panels_north</a:t>
-            </a:r>
-            <a:r>
-              <a:rPr lang="en-US" sz="3000" dirty="0">
-                <a:latin typeface="Calibri" panose="020F0502020204030204" pitchFamily="34" charset="0"/>
-                <a:ea typeface="DengXian" panose="02010600030101010101" pitchFamily="2" charset="-122"/>
-                <a:cs typeface="Times New Roman" panose="02020603050405020304" pitchFamily="18" charset="0"/>
-              </a:rPr>
-              <a:t> = estimated total solar energy generation potential per panel in city x</a:t>
-            </a:r>
-          </a:p>
-          <a:p>
-            <a:r>
-              <a:rPr lang="en-US" sz="3200" dirty="0"/>
-              <a:t>A snapshot picture – ANOVA result summary </a:t>
-            </a:r>
-          </a:p>
-        </p:txBody>
-      </p:sp>
-    </p:spTree>
-    <p:extLst>
-      <p:ext uri="{BB962C8B-B14F-4D97-AF65-F5344CB8AC3E}">
-        <p14:creationId xmlns:p14="http://schemas.microsoft.com/office/powerpoint/2010/main" val="2025065564"/>
-      </p:ext>
-    </p:extLst>
-  </p:cSld>
-  <p:clrMapOvr>
-    <a:masterClrMapping/>
-  </p:clrMapOvr>
-</p:sld>
-</file>
-
-<file path=ppt/slides/slide22.xml><?xml version="1.0" encoding="utf-8"?>
 <p:sld xmlns:a="http://schemas.openxmlformats.org/drawingml/2006/main" xmlns:r="http://schemas.openxmlformats.org/officeDocument/2006/relationships" xmlns:p="http://schemas.openxmlformats.org/presentationml/2006/main">
   <p:cSld>
     <p:spTree>
@@ -8804,7 +8596,7 @@
 </p:sld>
 </file>
 
-<file path=ppt/slides/slide23.xml><?xml version="1.0" encoding="utf-8"?>
+<file path=ppt/slides/slide21.xml><?xml version="1.0" encoding="utf-8"?>
 <p:sld xmlns:a="http://schemas.openxmlformats.org/drawingml/2006/main" xmlns:r="http://schemas.openxmlformats.org/officeDocument/2006/relationships" xmlns:p="http://schemas.openxmlformats.org/presentationml/2006/main">
   <p:cSld>
     <p:spTree>
@@ -8924,7 +8716,7 @@
 </p:sld>
 </file>
 
-<file path=ppt/slides/slide24.xml><?xml version="1.0" encoding="utf-8"?>
+<file path=ppt/slides/slide22.xml><?xml version="1.0" encoding="utf-8"?>
 <p:sld xmlns:a="http://schemas.openxmlformats.org/drawingml/2006/main" xmlns:r="http://schemas.openxmlformats.org/officeDocument/2006/relationships" xmlns:p="http://schemas.openxmlformats.org/presentationml/2006/main">
   <p:cSld>
     <p:spTree>
@@ -9133,7 +8925,7 @@
 </p:sld>
 </file>
 
-<file path=ppt/slides/slide25.xml><?xml version="1.0" encoding="utf-8"?>
+<file path=ppt/slides/slide23.xml><?xml version="1.0" encoding="utf-8"?>
 <p:sld xmlns:a="http://schemas.openxmlformats.org/drawingml/2006/main" xmlns:r="http://schemas.openxmlformats.org/officeDocument/2006/relationships" xmlns:p="http://schemas.openxmlformats.org/presentationml/2006/main">
   <p:cSld>
     <p:spTree>
@@ -9342,6 +9134,236 @@
 </p:sld>
 </file>
 
+<file path=ppt/slides/slide24.xml><?xml version="1.0" encoding="utf-8"?>
+<p:sld xmlns:a="http://schemas.openxmlformats.org/drawingml/2006/main" xmlns:r="http://schemas.openxmlformats.org/officeDocument/2006/relationships" xmlns:p="http://schemas.openxmlformats.org/presentationml/2006/main">
+  <p:cSld>
+    <p:spTree>
+      <p:nvGrpSpPr>
+        <p:cNvPr id="1" name=""/>
+        <p:cNvGrpSpPr/>
+        <p:nvPr/>
+      </p:nvGrpSpPr>
+      <p:grpSpPr>
+        <a:xfrm>
+          <a:off x="0" y="0"/>
+          <a:ext cx="0" cy="0"/>
+          <a:chOff x="0" y="0"/>
+          <a:chExt cx="0" cy="0"/>
+        </a:xfrm>
+      </p:grpSpPr>
+      <p:sp>
+        <p:nvSpPr>
+          <p:cNvPr id="2" name="Title 1">
+            <a:extLst>
+              <a:ext uri="{FF2B5EF4-FFF2-40B4-BE49-F238E27FC236}">
+                <a16:creationId xmlns:a16="http://schemas.microsoft.com/office/drawing/2014/main" id="{757C6CF1-9FEC-4B61-8664-9E66B5FD090A}"/>
+              </a:ext>
+            </a:extLst>
+          </p:cNvPr>
+          <p:cNvSpPr>
+            <a:spLocks noGrp="1"/>
+          </p:cNvSpPr>
+          <p:nvPr>
+            <p:ph type="title"/>
+          </p:nvPr>
+        </p:nvSpPr>
+        <p:spPr/>
+        <p:txBody>
+          <a:bodyPr>
+            <a:normAutofit/>
+          </a:bodyPr>
+          <a:lstStyle/>
+          <a:p>
+            <a:r>
+              <a:rPr lang="en-US" dirty="0"/>
+              <a:t>ANOVA Test On Our Four Models</a:t>
+            </a:r>
+          </a:p>
+        </p:txBody>
+      </p:sp>
+      <p:sp>
+        <p:nvSpPr>
+          <p:cNvPr id="3" name="Content Placeholder 2">
+            <a:extLst>
+              <a:ext uri="{FF2B5EF4-FFF2-40B4-BE49-F238E27FC236}">
+                <a16:creationId xmlns:a16="http://schemas.microsoft.com/office/drawing/2014/main" id="{B3185D56-2FDD-403E-98AF-516E0D9A75C1}"/>
+              </a:ext>
+            </a:extLst>
+          </p:cNvPr>
+          <p:cNvSpPr>
+            <a:spLocks noGrp="1"/>
+          </p:cNvSpPr>
+          <p:nvPr>
+            <p:ph idx="1"/>
+          </p:nvPr>
+        </p:nvSpPr>
+        <p:spPr>
+          <a:xfrm>
+            <a:off x="677334" y="1611397"/>
+            <a:ext cx="8596668" cy="3880773"/>
+          </a:xfrm>
+        </p:spPr>
+        <p:txBody>
+          <a:bodyPr>
+            <a:normAutofit/>
+          </a:bodyPr>
+          <a:lstStyle/>
+          <a:p>
+            <a:pPr algn="just">
+              <a:lnSpc>
+                <a:spcPct val="150000"/>
+              </a:lnSpc>
+            </a:pPr>
+            <a:r>
+              <a:rPr lang="en-US" sz="2000" dirty="0">
+                <a:latin typeface="Helvetica" panose="020B0604020202020204" pitchFamily="34" charset="0"/>
+                <a:cs typeface="Helvetica" panose="020B0604020202020204" pitchFamily="34" charset="0"/>
+              </a:rPr>
+              <a:t>Adding only the flat_panels variable in model 3 proves to be insignificant.</a:t>
+            </a:r>
+          </a:p>
+          <a:p>
+            <a:pPr algn="just">
+              <a:lnSpc>
+                <a:spcPct val="150000"/>
+              </a:lnSpc>
+            </a:pPr>
+            <a:r>
+              <a:rPr lang="en-US" sz="2000" dirty="0">
+                <a:latin typeface="Helvetica" panose="020B0604020202020204" pitchFamily="34" charset="0"/>
+                <a:cs typeface="Helvetica" panose="020B0604020202020204" pitchFamily="34" charset="0"/>
+              </a:rPr>
+              <a:t>Model 4 shows an overall model significance after adding all panel type variables.</a:t>
+            </a:r>
+          </a:p>
+        </p:txBody>
+      </p:sp>
+      <p:pic>
+        <p:nvPicPr>
+          <p:cNvPr id="8" name="Picture 7">
+            <a:extLst>
+              <a:ext uri="{FF2B5EF4-FFF2-40B4-BE49-F238E27FC236}">
+                <a16:creationId xmlns:a16="http://schemas.microsoft.com/office/drawing/2014/main" id="{8C25F435-241B-43BB-8270-8936B8F21082}"/>
+              </a:ext>
+            </a:extLst>
+          </p:cNvPr>
+          <p:cNvPicPr>
+            <a:picLocks noChangeAspect="1"/>
+          </p:cNvPicPr>
+          <p:nvPr/>
+        </p:nvPicPr>
+        <p:blipFill>
+          <a:blip r:embed="rId2"/>
+          <a:stretch>
+            <a:fillRect/>
+          </a:stretch>
+        </p:blipFill>
+        <p:spPr>
+          <a:xfrm>
+            <a:off x="1604613" y="3769817"/>
+            <a:ext cx="6343650" cy="2724150"/>
+          </a:xfrm>
+          <a:prstGeom prst="rect">
+            <a:avLst/>
+          </a:prstGeom>
+        </p:spPr>
+      </p:pic>
+    </p:spTree>
+    <p:extLst>
+      <p:ext uri="{BB962C8B-B14F-4D97-AF65-F5344CB8AC3E}">
+        <p14:creationId xmlns:p14="http://schemas.microsoft.com/office/powerpoint/2010/main" val="2239328636"/>
+      </p:ext>
+    </p:extLst>
+  </p:cSld>
+  <p:clrMapOvr>
+    <a:masterClrMapping/>
+  </p:clrMapOvr>
+</p:sld>
+</file>
+
+<file path=ppt/slides/slide25.xml><?xml version="1.0" encoding="utf-8"?>
+<p:sld xmlns:a="http://schemas.openxmlformats.org/drawingml/2006/main" xmlns:r="http://schemas.openxmlformats.org/officeDocument/2006/relationships" xmlns:p="http://schemas.openxmlformats.org/presentationml/2006/main">
+  <p:cSld>
+    <p:spTree>
+      <p:nvGrpSpPr>
+        <p:cNvPr id="1" name=""/>
+        <p:cNvGrpSpPr/>
+        <p:nvPr/>
+      </p:nvGrpSpPr>
+      <p:grpSpPr>
+        <a:xfrm>
+          <a:off x="0" y="0"/>
+          <a:ext cx="0" cy="0"/>
+          <a:chOff x="0" y="0"/>
+          <a:chExt cx="0" cy="0"/>
+        </a:xfrm>
+      </p:grpSpPr>
+      <p:sp>
+        <p:nvSpPr>
+          <p:cNvPr id="2" name="Title 1">
+            <a:extLst>
+              <a:ext uri="{FF2B5EF4-FFF2-40B4-BE49-F238E27FC236}">
+                <a16:creationId xmlns:a16="http://schemas.microsoft.com/office/drawing/2014/main" id="{EE1A7885-042A-45A3-B452-090FCE0E1A12}"/>
+              </a:ext>
+            </a:extLst>
+          </p:cNvPr>
+          <p:cNvSpPr>
+            <a:spLocks noGrp="1"/>
+          </p:cNvSpPr>
+          <p:nvPr>
+            <p:ph type="title"/>
+          </p:nvPr>
+        </p:nvSpPr>
+        <p:spPr/>
+        <p:txBody>
+          <a:bodyPr/>
+          <a:lstStyle/>
+          <a:p>
+            <a:r>
+              <a:rPr lang="en-US" dirty="0"/>
+              <a:t>VIF test on all the variables </a:t>
+            </a:r>
+          </a:p>
+        </p:txBody>
+      </p:sp>
+      <p:sp>
+        <p:nvSpPr>
+          <p:cNvPr id="3" name="Content Placeholder 2">
+            <a:extLst>
+              <a:ext uri="{FF2B5EF4-FFF2-40B4-BE49-F238E27FC236}">
+                <a16:creationId xmlns:a16="http://schemas.microsoft.com/office/drawing/2014/main" id="{0B4DCAA5-3B62-4E6C-96F8-39492B39A510}"/>
+              </a:ext>
+            </a:extLst>
+          </p:cNvPr>
+          <p:cNvSpPr>
+            <a:spLocks noGrp="1"/>
+          </p:cNvSpPr>
+          <p:nvPr>
+            <p:ph idx="1"/>
+          </p:nvPr>
+        </p:nvSpPr>
+        <p:spPr/>
+        <p:txBody>
+          <a:bodyPr/>
+          <a:lstStyle/>
+          <a:p>
+            <a:endParaRPr lang="en-US"/>
+          </a:p>
+        </p:txBody>
+      </p:sp>
+    </p:spTree>
+    <p:extLst>
+      <p:ext uri="{BB962C8B-B14F-4D97-AF65-F5344CB8AC3E}">
+        <p14:creationId xmlns:p14="http://schemas.microsoft.com/office/powerpoint/2010/main" val="1046994430"/>
+      </p:ext>
+    </p:extLst>
+  </p:cSld>
+  <p:clrMapOvr>
+    <a:masterClrMapping/>
+  </p:clrMapOvr>
+</p:sld>
+</file>
+
 <file path=ppt/slides/slide26.xml><?xml version="1.0" encoding="utf-8"?>
 <p:sld xmlns:a="http://schemas.openxmlformats.org/drawingml/2006/main" xmlns:r="http://schemas.openxmlformats.org/officeDocument/2006/relationships" xmlns:p="http://schemas.openxmlformats.org/presentationml/2006/main">
   <p:cSld>
@@ -9361,89 +9383,6 @@
       </p:grpSpPr>
       <p:sp>
         <p:nvSpPr>
-          <p:cNvPr id="2" name="Title 1">
-            <a:extLst>
-              <a:ext uri="{FF2B5EF4-FFF2-40B4-BE49-F238E27FC236}">
-                <a16:creationId xmlns:a16="http://schemas.microsoft.com/office/drawing/2014/main" id="{EE1A7885-042A-45A3-B452-090FCE0E1A12}"/>
-              </a:ext>
-            </a:extLst>
-          </p:cNvPr>
-          <p:cNvSpPr>
-            <a:spLocks noGrp="1"/>
-          </p:cNvSpPr>
-          <p:nvPr>
-            <p:ph type="title"/>
-          </p:nvPr>
-        </p:nvSpPr>
-        <p:spPr/>
-        <p:txBody>
-          <a:bodyPr/>
-          <a:lstStyle/>
-          <a:p>
-            <a:r>
-              <a:rPr lang="en-US" dirty="0"/>
-              <a:t>VIF test on all the variables </a:t>
-            </a:r>
-          </a:p>
-        </p:txBody>
-      </p:sp>
-      <p:sp>
-        <p:nvSpPr>
-          <p:cNvPr id="3" name="Content Placeholder 2">
-            <a:extLst>
-              <a:ext uri="{FF2B5EF4-FFF2-40B4-BE49-F238E27FC236}">
-                <a16:creationId xmlns:a16="http://schemas.microsoft.com/office/drawing/2014/main" id="{0B4DCAA5-3B62-4E6C-96F8-39492B39A510}"/>
-              </a:ext>
-            </a:extLst>
-          </p:cNvPr>
-          <p:cNvSpPr>
-            <a:spLocks noGrp="1"/>
-          </p:cNvSpPr>
-          <p:nvPr>
-            <p:ph idx="1"/>
-          </p:nvPr>
-        </p:nvSpPr>
-        <p:spPr/>
-        <p:txBody>
-          <a:bodyPr/>
-          <a:lstStyle/>
-          <a:p>
-            <a:endParaRPr lang="en-US"/>
-          </a:p>
-        </p:txBody>
-      </p:sp>
-    </p:spTree>
-    <p:extLst>
-      <p:ext uri="{BB962C8B-B14F-4D97-AF65-F5344CB8AC3E}">
-        <p14:creationId xmlns:p14="http://schemas.microsoft.com/office/powerpoint/2010/main" val="1046994430"/>
-      </p:ext>
-    </p:extLst>
-  </p:cSld>
-  <p:clrMapOvr>
-    <a:masterClrMapping/>
-  </p:clrMapOvr>
-</p:sld>
-</file>
-
-<file path=ppt/slides/slide27.xml><?xml version="1.0" encoding="utf-8"?>
-<p:sld xmlns:a="http://schemas.openxmlformats.org/drawingml/2006/main" xmlns:r="http://schemas.openxmlformats.org/officeDocument/2006/relationships" xmlns:p="http://schemas.openxmlformats.org/presentationml/2006/main">
-  <p:cSld>
-    <p:spTree>
-      <p:nvGrpSpPr>
-        <p:cNvPr id="1" name=""/>
-        <p:cNvGrpSpPr/>
-        <p:nvPr/>
-      </p:nvGrpSpPr>
-      <p:grpSpPr>
-        <a:xfrm>
-          <a:off x="0" y="0"/>
-          <a:ext cx="0" cy="0"/>
-          <a:chOff x="0" y="0"/>
-          <a:chExt cx="0" cy="0"/>
-        </a:xfrm>
-      </p:grpSpPr>
-      <p:sp>
-        <p:nvSpPr>
           <p:cNvPr id="2" name="TextBox 1">
             <a:extLst>
               <a:ext uri="{FF2B5EF4-FFF2-40B4-BE49-F238E27FC236}">
@@ -9497,7 +9436,7 @@
 </p:sld>
 </file>
 
-<file path=ppt/slides/slide28.xml><?xml version="1.0" encoding="utf-8"?>
+<file path=ppt/slides/slide27.xml><?xml version="1.0" encoding="utf-8"?>
 <p:sld xmlns:a="http://schemas.openxmlformats.org/drawingml/2006/main" xmlns:r="http://schemas.openxmlformats.org/officeDocument/2006/relationships" xmlns:p="http://schemas.openxmlformats.org/presentationml/2006/main">
   <p:cSld>
     <p:spTree>
@@ -10400,7 +10339,7 @@
                 <a:latin typeface="Helvetica" panose="020B0604020202020204" pitchFamily="34" charset="0"/>
                 <a:cs typeface="Helvetica" panose="020B0604020202020204" pitchFamily="34" charset="0"/>
               </a:rPr>
-              <a:t> the estimated potential carbon offset from solar energy use per region.</a:t>
+              <a:t> which variables significantly effect the estimated carbon dioxide abatement.</a:t>
             </a:r>
           </a:p>
           <a:p>
@@ -10427,7 +10366,7 @@
                 <a:latin typeface="Helvetica" panose="020B0604020202020204" pitchFamily="34" charset="0"/>
                 <a:cs typeface="Helvetica" panose="020B0604020202020204" pitchFamily="34" charset="0"/>
               </a:rPr>
-              <a:t> mean potential solar energy generation per panel by region.</a:t>
+              <a:t> mean potential solar energy generation per panel type by region.</a:t>
             </a:r>
             <a:endParaRPr lang="en-US" altLang="zh-CN" sz="2000" b="0" i="0" u="none" strike="noStrike" baseline="0" dirty="0">
               <a:latin typeface="Helvetica" panose="020B0604020202020204" pitchFamily="34" charset="0"/>
